--- a/Arduino_LabVIEW.pptx
+++ b/Arduino_LabVIEW.pptx
@@ -460,6 +460,50 @@
 </file>
 
 <file path=ppt/notesSlides/notesSlide1.xml><?xml version="1.0" encoding="utf-8"?>
+<p:notes xmlns:a="http://schemas.openxmlformats.org/drawingml/2006/main" xmlns:r="http://schemas.openxmlformats.org/officeDocument/2006/relationships" xmlns:p="http://schemas.openxmlformats.org/presentationml/2006/main">
+  <p:cSld>
+    <p:spTree>
+      <p:nvGrpSpPr>
+        <p:cNvPr id="1" name=""/>
+        <p:cNvGrpSpPr/>
+        <p:nvPr/>
+      </p:nvGrpSpPr>
+      <p:grpSpPr/>
+      <p:sp>
+        <p:nvSpPr>
+          <p:cNvPr id="2" name="Slide Image Placeholder 1"/>
+          <p:cNvSpPr/>
+          <p:nvPr>
+            <p:ph type="sldImg" idx="2"/>
+          </p:nvPr>
+        </p:nvSpPr>
+        <p:spPr/>
+      </p:sp>
+      <p:sp>
+        <p:nvSpPr>
+          <p:cNvPr id="3" name="Text Placeholder 2"/>
+          <p:cNvSpPr/>
+          <p:nvPr>
+            <p:ph type="body" idx="3"/>
+          </p:nvPr>
+        </p:nvSpPr>
+        <p:spPr/>
+        <p:txBody>
+          <a:bodyPr/>
+          <a:p>
+            <a:endParaRPr lang="en-US"/>
+          </a:p>
+        </p:txBody>
+      </p:sp>
+    </p:spTree>
+  </p:cSld>
+  <p:clrMapOvr>
+    <a:masterClrMapping/>
+  </p:clrMapOvr>
+</p:notes>
+</file>
+
+<file path=ppt/notesSlides/notesSlide2.xml><?xml version="1.0" encoding="utf-8"?>
 <p:notes xmlns:a="http://schemas.openxmlformats.org/drawingml/2006/main" xmlns:r="http://schemas.openxmlformats.org/officeDocument/2006/relationships" xmlns:p="http://schemas.openxmlformats.org/presentationml/2006/main">
   <p:cSld>
     <p:spTree>
@@ -4083,7 +4127,7 @@
         </p:blipFill>
         <p:spPr>
           <a:xfrm>
-            <a:off x="3846830" y="4834255"/>
+            <a:off x="3846830" y="4762500"/>
             <a:ext cx="2074545" cy="2074545"/>
           </a:xfrm>
           <a:prstGeom prst="rect">
@@ -4209,7 +4253,7 @@
         </p:nvCxnSpPr>
         <p:spPr>
           <a:xfrm rot="10800000">
-            <a:off x="1202055" y="4469130"/>
+            <a:off x="1202055" y="4397375"/>
             <a:ext cx="2644775" cy="1402715"/>
           </a:xfrm>
           <a:prstGeom prst="bentConnector3">
@@ -4360,7 +4404,7 @@
           <a:p>
             <a:r>
               <a:rPr lang="en-US" sz="1200"/>
-              <a:t>Nhiệt độ của lò sấy được đo bằng cảm biến nhiệt PT100</a:t>
+              <a:t>Nhiệt độ của buồng sấy được đo bằng cảm biến nhiệt PT100</a:t>
             </a:r>
             <a:endParaRPr lang="en-US" sz="1200"/>
           </a:p>
@@ -4448,6 +4492,71 @@
           </a:prstGeom>
         </p:spPr>
       </p:pic>
+      <p:sp>
+        <p:nvSpPr>
+          <p:cNvPr id="3" name="Text Box 2"/>
+          <p:cNvSpPr txBox="1"/>
+          <p:nvPr/>
+        </p:nvSpPr>
+        <p:spPr>
+          <a:xfrm>
+            <a:off x="5753100" y="5417185"/>
+            <a:ext cx="1548130" cy="460375"/>
+          </a:xfrm>
+          <a:prstGeom prst="rect">
+            <a:avLst/>
+          </a:prstGeom>
+          <a:noFill/>
+        </p:spPr>
+        <p:txBody>
+          <a:bodyPr wrap="square" rtlCol="0">
+            <a:spAutoFit/>
+          </a:bodyPr>
+          <a:p>
+            <a:r>
+              <a:rPr lang="en-US" sz="1200"/>
+              <a:t>Module Relay bật tắt</a:t>
+            </a:r>
+            <a:endParaRPr lang="en-US" sz="1200"/>
+          </a:p>
+          <a:p>
+            <a:r>
+              <a:rPr lang="en-US" sz="1200"/>
+              <a:t>máy sấy</a:t>
+            </a:r>
+            <a:endParaRPr lang="en-US" sz="1200"/>
+          </a:p>
+        </p:txBody>
+      </p:sp>
+      <p:sp>
+        <p:nvSpPr>
+          <p:cNvPr id="6" name="Text Box 5"/>
+          <p:cNvSpPr txBox="1"/>
+          <p:nvPr/>
+        </p:nvSpPr>
+        <p:spPr>
+          <a:xfrm>
+            <a:off x="1729105" y="5347335"/>
+            <a:ext cx="1299845" cy="460375"/>
+          </a:xfrm>
+          <a:prstGeom prst="rect">
+            <a:avLst/>
+          </a:prstGeom>
+          <a:noFill/>
+        </p:spPr>
+        <p:txBody>
+          <a:bodyPr wrap="square" rtlCol="0">
+            <a:spAutoFit/>
+          </a:bodyPr>
+          <a:p>
+            <a:r>
+              <a:rPr lang="en-US" sz="1200"/>
+              <a:t>Máy sấy cung cấp nhiệt buồng sấy.</a:t>
+            </a:r>
+            <a:endParaRPr lang="en-US" sz="1200"/>
+          </a:p>
+        </p:txBody>
+      </p:sp>
     </p:spTree>
   </p:cSld>
   <p:clrMapOvr>
